--- a/Yield_curve.pptx
+++ b/Yield_curve.pptx
@@ -5,7 +5,7 @@
     <p:sldMasterId id="2147483659" r:id="rId1"/>
   </p:sldMasterIdLst>
   <p:notesMasterIdLst>
-    <p:notesMasterId r:id="rId17"/>
+    <p:notesMasterId r:id="rId18"/>
   </p:notesMasterIdLst>
   <p:sldIdLst>
     <p:sldId id="308" r:id="rId2"/>
@@ -20,9 +20,10 @@
     <p:sldId id="323" r:id="rId11"/>
     <p:sldId id="324" r:id="rId12"/>
     <p:sldId id="325" r:id="rId13"/>
-    <p:sldId id="304" r:id="rId14"/>
-    <p:sldId id="267" r:id="rId15"/>
-    <p:sldId id="312" r:id="rId16"/>
+    <p:sldId id="326" r:id="rId14"/>
+    <p:sldId id="304" r:id="rId15"/>
+    <p:sldId id="267" r:id="rId16"/>
+    <p:sldId id="312" r:id="rId17"/>
   </p:sldIdLst>
   <p:sldSz cx="24742775" cy="13716000"/>
   <p:notesSz cx="6858000" cy="9144000"/>
@@ -245,6 +246,7 @@
             <p14:sldId id="323"/>
             <p14:sldId id="324"/>
             <p14:sldId id="325"/>
+            <p14:sldId id="326"/>
             <p14:sldId id="304"/>
             <p14:sldId id="267"/>
             <p14:sldId id="312"/>
@@ -256,7 +258,7 @@
       </p14:sectionLst>
     </p:ext>
     <p:ext uri="{EFAFB233-063F-42B5-8137-9DF3F51BA10A}">
-      <p15:sldGuideLst xmlns:p15="http://schemas.microsoft.com/office/powerpoint/2012/main" xmlns="">
+      <p15:sldGuideLst xmlns="" xmlns:p15="http://schemas.microsoft.com/office/powerpoint/2012/main">
         <p15:guide id="1" orient="horz" pos="555" userDrawn="1">
           <p15:clr>
             <a:srgbClr val="A4A3A4"/>
@@ -1894,7 +1896,7 @@
   </p:clrMapOvr>
   <p:extLst>
     <p:ext uri="{DCECCB84-F9BA-43D5-87BE-67443E8EF086}">
-      <p15:sldGuideLst xmlns:p15="http://schemas.microsoft.com/office/powerpoint/2012/main" xmlns="">
+      <p15:sldGuideLst xmlns="" xmlns:p15="http://schemas.microsoft.com/office/powerpoint/2012/main">
         <p15:guide id="1" orient="horz" pos="4320">
           <p15:clr>
             <a:srgbClr val="FBAE40"/>
@@ -2080,7 +2082,7 @@
   </p:clrMapOvr>
   <p:extLst>
     <p:ext uri="{DCECCB84-F9BA-43D5-87BE-67443E8EF086}">
-      <p15:sldGuideLst xmlns:p15="http://schemas.microsoft.com/office/powerpoint/2012/main" xmlns="">
+      <p15:sldGuideLst xmlns="" xmlns:p15="http://schemas.microsoft.com/office/powerpoint/2012/main">
         <p15:guide id="1" orient="horz" pos="4320" userDrawn="1">
           <p15:clr>
             <a:srgbClr val="FBAE40"/>
@@ -2376,7 +2378,7 @@
   </p:clrMapOvr>
   <p:extLst>
     <p:ext uri="{DCECCB84-F9BA-43D5-87BE-67443E8EF086}">
-      <p15:sldGuideLst xmlns:p15="http://schemas.microsoft.com/office/powerpoint/2012/main" xmlns="">
+      <p15:sldGuideLst xmlns="" xmlns:p15="http://schemas.microsoft.com/office/powerpoint/2012/main">
         <p15:guide id="1" orient="horz" pos="4320">
           <p15:clr>
             <a:srgbClr val="FBAE40"/>
@@ -2765,7 +2767,7 @@
   </p:clrMapOvr>
   <p:extLst>
     <p:ext uri="{DCECCB84-F9BA-43D5-87BE-67443E8EF086}">
-      <p15:sldGuideLst xmlns:p15="http://schemas.microsoft.com/office/powerpoint/2012/main" xmlns="">
+      <p15:sldGuideLst xmlns="" xmlns:p15="http://schemas.microsoft.com/office/powerpoint/2012/main">
         <p15:guide id="1" orient="horz" pos="4320">
           <p15:clr>
             <a:srgbClr val="FBAE40"/>
@@ -3061,7 +3063,7 @@
   </p:clrMapOvr>
   <p:extLst>
     <p:ext uri="{DCECCB84-F9BA-43D5-87BE-67443E8EF086}">
-      <p15:sldGuideLst xmlns:p15="http://schemas.microsoft.com/office/powerpoint/2012/main" xmlns="">
+      <p15:sldGuideLst xmlns="" xmlns:p15="http://schemas.microsoft.com/office/powerpoint/2012/main">
         <p15:guide id="1" orient="horz" pos="4320">
           <p15:clr>
             <a:srgbClr val="FBAE40"/>
@@ -3264,7 +3266,7 @@
   </p:clrMapOvr>
   <p:extLst>
     <p:ext uri="{DCECCB84-F9BA-43D5-87BE-67443E8EF086}">
-      <p15:sldGuideLst xmlns:p15="http://schemas.microsoft.com/office/powerpoint/2012/main" xmlns="">
+      <p15:sldGuideLst xmlns="" xmlns:p15="http://schemas.microsoft.com/office/powerpoint/2012/main">
         <p15:guide id="1" orient="horz" pos="4320">
           <p15:clr>
             <a:srgbClr val="FBAE40"/>
@@ -3855,7 +3857,7 @@
   </p:clrMapOvr>
   <p:extLst>
     <p:ext uri="{DCECCB84-F9BA-43D5-87BE-67443E8EF086}">
-      <p15:sldGuideLst xmlns:p15="http://schemas.microsoft.com/office/powerpoint/2012/main" xmlns="">
+      <p15:sldGuideLst xmlns="" xmlns:p15="http://schemas.microsoft.com/office/powerpoint/2012/main">
         <p15:guide id="1" orient="horz" pos="4320">
           <p15:clr>
             <a:srgbClr val="FBAE40"/>
@@ -4463,7 +4465,7 @@
   </p:clrMapOvr>
   <p:extLst>
     <p:ext uri="{DCECCB84-F9BA-43D5-87BE-67443E8EF086}">
-      <p15:sldGuideLst xmlns:p15="http://schemas.microsoft.com/office/powerpoint/2012/main" xmlns="">
+      <p15:sldGuideLst xmlns="" xmlns:p15="http://schemas.microsoft.com/office/powerpoint/2012/main">
         <p15:guide id="1" orient="horz" pos="4320">
           <p15:clr>
             <a:srgbClr val="FBAE40"/>
@@ -5695,7 +5697,7 @@
   </p:clrMapOvr>
   <p:extLst>
     <p:ext uri="{DCECCB84-F9BA-43D5-87BE-67443E8EF086}">
-      <p15:sldGuideLst xmlns:p15="http://schemas.microsoft.com/office/powerpoint/2012/main" xmlns="">
+      <p15:sldGuideLst xmlns="" xmlns:p15="http://schemas.microsoft.com/office/powerpoint/2012/main">
         <p15:guide id="1" orient="horz" pos="4320">
           <p15:clr>
             <a:srgbClr val="FBAE40"/>
@@ -7034,11 +7036,7 @@
           <a:p>
             <a:r>
               <a:rPr lang="ru-RU" dirty="0" smtClean="0"/>
-              <a:t>Сравнение </a:t>
-            </a:r>
-            <a:r>
-              <a:rPr lang="ru-RU" dirty="0" smtClean="0"/>
-              <a:t>отклонений при построении</a:t>
+              <a:t>Сравнение отклонений при построении</a:t>
             </a:r>
             <a:r>
               <a:rPr lang="ru" sz="2400" dirty="0"/>
@@ -7319,7 +7317,7 @@
           <a:p>
             <a:r>
               <a:rPr lang="ru-RU" dirty="0" smtClean="0"/>
-              <a:t>Литература</a:t>
+              <a:t>Выводы</a:t>
             </a:r>
             <a:r>
               <a:rPr lang="ru" sz="2400" dirty="0"/>
@@ -7344,118 +7342,98 @@
         </p:nvSpPr>
         <p:spPr>
           <a:xfrm>
-            <a:off x="931333" y="3905251"/>
-            <a:ext cx="17272702" cy="4464918"/>
+            <a:off x="931333" y="3905250"/>
+            <a:ext cx="21233142" cy="6841181"/>
           </a:xfrm>
         </p:spPr>
         <p:txBody>
           <a:bodyPr/>
           <a:lstStyle/>
           <a:p>
-            <a:pPr marL="514350" indent="-514350">
-              <a:buAutoNum type="arabicPeriod"/>
-            </a:pPr>
             <a:r>
               <a:rPr lang="ru-RU" i="1" dirty="0"/>
-              <a:t>Опционы</a:t>
-            </a:r>
-            <a:r>
-              <a:rPr lang="ru-RU" dirty="0"/>
-              <a:t>, </a:t>
+              <a:t>Существует множество разнообразных </a:t>
+            </a:r>
+            <a:r>
+              <a:rPr lang="ru-RU" i="1" dirty="0" smtClean="0"/>
+              <a:t>моделей оценки </a:t>
             </a:r>
             <a:r>
               <a:rPr lang="ru-RU" i="1" dirty="0"/>
-              <a:t>фьючерсы</a:t>
-            </a:r>
-            <a:r>
-              <a:rPr lang="ru-RU" dirty="0"/>
-              <a:t> и другие производные финансовые </a:t>
-            </a:r>
-            <a:r>
-              <a:rPr lang="ru-RU" dirty="0" smtClean="0"/>
-              <a:t>инструменты </a:t>
-            </a:r>
-            <a:r>
-              <a:rPr lang="ru-RU" i="1" dirty="0" err="1"/>
-              <a:t>Халл</a:t>
-            </a:r>
-            <a:r>
-              <a:rPr lang="ru-RU" dirty="0"/>
-              <a:t> Джон К. ; ISBN. 978-5-907144-35-4 ; Год выпуска: 2019 ; Автор: </a:t>
-            </a:r>
-            <a:r>
-              <a:rPr lang="ru-RU" i="1" dirty="0" err="1"/>
-              <a:t>Халл</a:t>
-            </a:r>
-            <a:r>
-              <a:rPr lang="ru-RU" dirty="0"/>
-              <a:t> Джон К</a:t>
-            </a:r>
-            <a:r>
-              <a:rPr lang="ru-RU" dirty="0" smtClean="0"/>
-              <a:t>.</a:t>
-            </a:r>
-          </a:p>
-          <a:p>
-            <a:pPr marL="514350" indent="-514350">
-              <a:buAutoNum type="arabicPeriod"/>
-            </a:pPr>
-            <a:r>
-              <a:rPr lang="en-US" dirty="0"/>
-              <a:t>https://ru.wikipedia.org/wiki/</a:t>
-            </a:r>
-            <a:r>
-              <a:rPr lang="ru-RU" dirty="0" err="1"/>
-              <a:t>Кривая_доходности</a:t>
-            </a:r>
-            <a:endParaRPr lang="ru-RU" dirty="0" smtClean="0"/>
-          </a:p>
-          <a:p>
-            <a:pPr marL="514350" indent="-514350">
-              <a:buAutoNum type="arabicPeriod"/>
-            </a:pPr>
-            <a:r>
-              <a:rPr lang="en-US" dirty="0" smtClean="0"/>
-              <a:t>Investopedia staff </a:t>
-            </a:r>
-            <a:endParaRPr lang="ru-RU" dirty="0" smtClean="0"/>
-          </a:p>
-          <a:p>
-            <a:pPr marL="514350" indent="-514350">
-              <a:buAutoNum type="arabicPeriod"/>
-            </a:pPr>
-            <a:r>
-              <a:rPr lang="en-US" dirty="0" smtClean="0">
-                <a:latin typeface="Times New Roman" panose="02020603050405020304" pitchFamily="18" charset="0"/>
-                <a:ea typeface="Times New Roman" panose="02020603050405020304" pitchFamily="18" charset="0"/>
-              </a:rPr>
-              <a:t>Patrick </a:t>
-            </a:r>
-            <a:r>
-              <a:rPr lang="en-US" dirty="0">
-                <a:latin typeface="Times New Roman" panose="02020603050405020304" pitchFamily="18" charset="0"/>
-                <a:ea typeface="Times New Roman" panose="02020603050405020304" pitchFamily="18" charset="0"/>
-              </a:rPr>
-              <a:t>S. Hagan, Graeme West (2008). "Methods for Constructing a Yield Curve"</a:t>
-            </a:r>
-            <a:endParaRPr lang="ru-RU" dirty="0" smtClean="0">
-              <a:latin typeface="Times New Roman" panose="02020603050405020304" pitchFamily="18" charset="0"/>
-              <a:ea typeface="Times New Roman" panose="02020603050405020304" pitchFamily="18" charset="0"/>
-            </a:endParaRPr>
-          </a:p>
-          <a:p>
-            <a:pPr marL="514350" indent="-514350">
-              <a:buAutoNum type="arabicPeriod"/>
-            </a:pPr>
-            <a:endParaRPr lang="ru-RU" dirty="0" smtClean="0">
-              <a:latin typeface="Times New Roman" panose="02020603050405020304" pitchFamily="18" charset="0"/>
-              <a:ea typeface="Times New Roman" panose="02020603050405020304" pitchFamily="18" charset="0"/>
-            </a:endParaRPr>
-          </a:p>
-          <a:p>
-            <a:pPr marL="514350" indent="-514350">
-              <a:buAutoNum type="arabicPeriod"/>
-            </a:pPr>
+              <a:t>срочной структуры процентных </a:t>
+            </a:r>
+            <a:r>
+              <a:rPr lang="ru-RU" i="1" dirty="0" smtClean="0"/>
+              <a:t>ставок, разработанных </a:t>
+            </a:r>
+            <a:r>
+              <a:rPr lang="ru-RU" i="1" dirty="0"/>
+              <a:t>для разных целей. Все они </a:t>
+            </a:r>
+            <a:r>
+              <a:rPr lang="ru-RU" i="1" dirty="0" smtClean="0"/>
+              <a:t>обладают своей </a:t>
+            </a:r>
+            <a:r>
+              <a:rPr lang="ru-RU" i="1" dirty="0"/>
+              <a:t>спецификой, требуют тщательного изучения </a:t>
+            </a:r>
+            <a:r>
+              <a:rPr lang="ru-RU" i="1" dirty="0" smtClean="0"/>
+              <a:t>и апробации </a:t>
+            </a:r>
+            <a:r>
+              <a:rPr lang="ru-RU" i="1" dirty="0"/>
+              <a:t>в различных условиях на рынках </a:t>
+            </a:r>
+            <a:r>
+              <a:rPr lang="ru-RU" i="1" dirty="0" smtClean="0"/>
+              <a:t>разных стран</a:t>
+            </a:r>
+            <a:r>
+              <a:rPr lang="ru-RU" i="1" dirty="0"/>
+              <a:t>, чтобы иметь возможность судить о </a:t>
+            </a:r>
+            <a:r>
+              <a:rPr lang="ru-RU" i="1" dirty="0" smtClean="0"/>
+              <a:t>достоинствах </a:t>
+            </a:r>
+            <a:r>
+              <a:rPr lang="ru-RU" i="1" dirty="0"/>
+              <a:t>и недостатках каждой из них. Мы </a:t>
+            </a:r>
+            <a:r>
+              <a:rPr lang="ru-RU" i="1" dirty="0" smtClean="0"/>
+              <a:t>рассмотрели некоторые </a:t>
+            </a:r>
+            <a:r>
+              <a:rPr lang="ru-RU" i="1" dirty="0"/>
+              <a:t>часто применяемые модели и </a:t>
+            </a:r>
+            <a:r>
+              <a:rPr lang="ru-RU" i="1" dirty="0" smtClean="0"/>
+              <a:t>систематизировали </a:t>
+            </a:r>
+            <a:r>
+              <a:rPr lang="ru-RU" i="1" dirty="0"/>
+              <a:t>информацию об их областях </a:t>
+            </a:r>
+            <a:r>
+              <a:rPr lang="ru-RU" i="1" dirty="0" smtClean="0"/>
+              <a:t>применимости </a:t>
+            </a:r>
+            <a:r>
+              <a:rPr lang="ru-RU" i="1" dirty="0"/>
+              <a:t>из статей отечественных и зарубежных </a:t>
+            </a:r>
+            <a:r>
+              <a:rPr lang="ru-RU" i="1" dirty="0" smtClean="0"/>
+              <a:t>ученых, занимавшихся </a:t>
+            </a:r>
+            <a:r>
+              <a:rPr lang="ru-RU" i="1" dirty="0"/>
+              <a:t>этим вопросом. </a:t>
+            </a:r>
             <a:endParaRPr lang="ru-RU" dirty="0">
               <a:latin typeface="Times New Roman" panose="02020603050405020304" pitchFamily="18" charset="0"/>
               <a:ea typeface="Times New Roman" panose="02020603050405020304" pitchFamily="18" charset="0"/>
@@ -7569,6 +7547,268 @@
             <p:ph type="title"/>
           </p:nvPr>
         </p:nvSpPr>
+        <p:spPr>
+          <a:xfrm>
+            <a:off x="882469" y="560160"/>
+            <a:ext cx="23093252" cy="1617320"/>
+          </a:xfrm>
+        </p:spPr>
+        <p:txBody>
+          <a:bodyPr/>
+          <a:lstStyle/>
+          <a:p>
+            <a:r>
+              <a:rPr lang="ru-RU" dirty="0" smtClean="0"/>
+              <a:t>Литература</a:t>
+            </a:r>
+            <a:r>
+              <a:rPr lang="ru" sz="2400" dirty="0"/>
+              <a:t/>
+            </a:r>
+            <a:br>
+              <a:rPr lang="ru" sz="2400" dirty="0"/>
+            </a:br>
+            <a:endParaRPr lang="ru-RU" dirty="0"/>
+          </a:p>
+        </p:txBody>
+      </p:sp>
+      <p:sp>
+        <p:nvSpPr>
+          <p:cNvPr id="3" name="Текст 2"/>
+          <p:cNvSpPr>
+            <a:spLocks noGrp="1"/>
+          </p:cNvSpPr>
+          <p:nvPr>
+            <p:ph type="body" idx="1"/>
+          </p:nvPr>
+        </p:nvSpPr>
+        <p:spPr>
+          <a:xfrm>
+            <a:off x="931333" y="3905251"/>
+            <a:ext cx="17272702" cy="4464918"/>
+          </a:xfrm>
+        </p:spPr>
+        <p:txBody>
+          <a:bodyPr/>
+          <a:lstStyle/>
+          <a:p>
+            <a:pPr marL="514350" indent="-514350">
+              <a:buAutoNum type="arabicPeriod"/>
+            </a:pPr>
+            <a:r>
+              <a:rPr lang="ru-RU" i="1" dirty="0"/>
+              <a:t>Опционы</a:t>
+            </a:r>
+            <a:r>
+              <a:rPr lang="ru-RU" dirty="0"/>
+              <a:t>, </a:t>
+            </a:r>
+            <a:r>
+              <a:rPr lang="ru-RU" i="1" dirty="0"/>
+              <a:t>фьючерсы</a:t>
+            </a:r>
+            <a:r>
+              <a:rPr lang="ru-RU" dirty="0"/>
+              <a:t> и другие производные финансовые </a:t>
+            </a:r>
+            <a:r>
+              <a:rPr lang="ru-RU" dirty="0" smtClean="0"/>
+              <a:t>инструменты </a:t>
+            </a:r>
+            <a:r>
+              <a:rPr lang="ru-RU" i="1" dirty="0" err="1"/>
+              <a:t>Халл</a:t>
+            </a:r>
+            <a:r>
+              <a:rPr lang="ru-RU" dirty="0"/>
+              <a:t> Джон К. ; ISBN. 978-5-907144-35-4 ; Год выпуска: 2019 ; Автор: </a:t>
+            </a:r>
+            <a:r>
+              <a:rPr lang="ru-RU" i="1" dirty="0" err="1"/>
+              <a:t>Халл</a:t>
+            </a:r>
+            <a:r>
+              <a:rPr lang="ru-RU" dirty="0"/>
+              <a:t> Джон К</a:t>
+            </a:r>
+            <a:r>
+              <a:rPr lang="ru-RU" dirty="0" smtClean="0"/>
+              <a:t>.</a:t>
+            </a:r>
+          </a:p>
+          <a:p>
+            <a:pPr marL="514350" indent="-514350">
+              <a:buAutoNum type="arabicPeriod"/>
+            </a:pPr>
+            <a:r>
+              <a:rPr lang="en-US" dirty="0"/>
+              <a:t>https://ru.wikipedia.org/wiki/</a:t>
+            </a:r>
+            <a:r>
+              <a:rPr lang="ru-RU" dirty="0" err="1"/>
+              <a:t>Кривая_доходности</a:t>
+            </a:r>
+            <a:endParaRPr lang="ru-RU" dirty="0" smtClean="0"/>
+          </a:p>
+          <a:p>
+            <a:pPr marL="514350" indent="-514350">
+              <a:buAutoNum type="arabicPeriod"/>
+            </a:pPr>
+            <a:r>
+              <a:rPr lang="en-US" dirty="0" smtClean="0"/>
+              <a:t>Investopedia staff </a:t>
+            </a:r>
+            <a:endParaRPr lang="ru-RU" dirty="0" smtClean="0"/>
+          </a:p>
+          <a:p>
+            <a:pPr marL="514350" indent="-514350">
+              <a:buAutoNum type="arabicPeriod"/>
+            </a:pPr>
+            <a:r>
+              <a:rPr lang="en-US" dirty="0" smtClean="0">
+                <a:latin typeface="Times New Roman" panose="02020603050405020304" pitchFamily="18" charset="0"/>
+                <a:ea typeface="Times New Roman" panose="02020603050405020304" pitchFamily="18" charset="0"/>
+              </a:rPr>
+              <a:t>Patrick </a:t>
+            </a:r>
+            <a:r>
+              <a:rPr lang="en-US" dirty="0">
+                <a:latin typeface="Times New Roman" panose="02020603050405020304" pitchFamily="18" charset="0"/>
+                <a:ea typeface="Times New Roman" panose="02020603050405020304" pitchFamily="18" charset="0"/>
+              </a:rPr>
+              <a:t>S. Hagan, Graeme West (2008). "Methods for Constructing a Yield Curve"</a:t>
+            </a:r>
+            <a:endParaRPr lang="ru-RU" dirty="0" smtClean="0">
+              <a:latin typeface="Times New Roman" panose="02020603050405020304" pitchFamily="18" charset="0"/>
+              <a:ea typeface="Times New Roman" panose="02020603050405020304" pitchFamily="18" charset="0"/>
+            </a:endParaRPr>
+          </a:p>
+          <a:p>
+            <a:pPr marL="514350" indent="-514350">
+              <a:buAutoNum type="arabicPeriod"/>
+            </a:pPr>
+            <a:endParaRPr lang="ru-RU" dirty="0" smtClean="0">
+              <a:latin typeface="Times New Roman" panose="02020603050405020304" pitchFamily="18" charset="0"/>
+              <a:ea typeface="Times New Roman" panose="02020603050405020304" pitchFamily="18" charset="0"/>
+            </a:endParaRPr>
+          </a:p>
+          <a:p>
+            <a:pPr marL="514350" indent="-514350">
+              <a:buAutoNum type="arabicPeriod"/>
+            </a:pPr>
+            <a:endParaRPr lang="ru-RU" dirty="0">
+              <a:latin typeface="Times New Roman" panose="02020603050405020304" pitchFamily="18" charset="0"/>
+              <a:ea typeface="Times New Roman" panose="02020603050405020304" pitchFamily="18" charset="0"/>
+            </a:endParaRPr>
+          </a:p>
+          <a:p>
+            <a:pPr marL="514350" indent="-514350">
+              <a:buAutoNum type="arabicPeriod"/>
+            </a:pPr>
+            <a:endParaRPr lang="ru-RU" dirty="0" smtClean="0">
+              <a:latin typeface="Times New Roman" panose="02020603050405020304" pitchFamily="18" charset="0"/>
+              <a:ea typeface="Times New Roman" panose="02020603050405020304" pitchFamily="18" charset="0"/>
+            </a:endParaRPr>
+          </a:p>
+          <a:p>
+            <a:pPr marL="514350" indent="-514350">
+              <a:buAutoNum type="arabicPeriod"/>
+            </a:pPr>
+            <a:endParaRPr lang="ru-RU" dirty="0" smtClean="0">
+              <a:latin typeface="Times New Roman" panose="02020603050405020304" pitchFamily="18" charset="0"/>
+              <a:ea typeface="Times New Roman" panose="02020603050405020304" pitchFamily="18" charset="0"/>
+            </a:endParaRPr>
+          </a:p>
+          <a:p>
+            <a:pPr marL="514350" indent="-514350">
+              <a:buAutoNum type="arabicPeriod"/>
+            </a:pPr>
+            <a:endParaRPr lang="ru-RU" dirty="0" smtClean="0">
+              <a:latin typeface="Times New Roman" panose="02020603050405020304" pitchFamily="18" charset="0"/>
+              <a:ea typeface="Times New Roman" panose="02020603050405020304" pitchFamily="18" charset="0"/>
+            </a:endParaRPr>
+          </a:p>
+          <a:p>
+            <a:endParaRPr lang="ru-RU" dirty="0">
+              <a:latin typeface="Times New Roman" panose="02020603050405020304" pitchFamily="18" charset="0"/>
+              <a:ea typeface="Times New Roman" panose="02020603050405020304" pitchFamily="18" charset="0"/>
+            </a:endParaRPr>
+          </a:p>
+          <a:p>
+            <a:pPr marL="514350" indent="-514350">
+              <a:buAutoNum type="arabicPeriod"/>
+            </a:pPr>
+            <a:endParaRPr lang="ru-RU" dirty="0">
+              <a:latin typeface="Times New Roman" panose="02020603050405020304" pitchFamily="18" charset="0"/>
+              <a:ea typeface="Times New Roman" panose="02020603050405020304" pitchFamily="18" charset="0"/>
+            </a:endParaRPr>
+          </a:p>
+        </p:txBody>
+      </p:sp>
+      <p:sp>
+        <p:nvSpPr>
+          <p:cNvPr id="4" name="Номер слайда 3"/>
+          <p:cNvSpPr>
+            <a:spLocks noGrp="1"/>
+          </p:cNvSpPr>
+          <p:nvPr>
+            <p:ph type="sldNum" idx="12"/>
+          </p:nvPr>
+        </p:nvSpPr>
+        <p:spPr/>
+        <p:txBody>
+          <a:bodyPr/>
+          <a:lstStyle/>
+          <a:p>
+            <a:fld id="{00000000-1234-1234-1234-123412341234}" type="slidenum">
+              <a:rPr lang="ru-RU" smtClean="0"/>
+              <a:pPr/>
+              <a:t>13</a:t>
+            </a:fld>
+            <a:endParaRPr lang="ru-RU" dirty="0"/>
+          </a:p>
+        </p:txBody>
+      </p:sp>
+    </p:spTree>
+    <p:extLst>
+      <p:ext uri="{BB962C8B-B14F-4D97-AF65-F5344CB8AC3E}">
+        <p14:creationId xmlns:p14="http://schemas.microsoft.com/office/powerpoint/2010/main" val="2982856193"/>
+      </p:ext>
+    </p:extLst>
+  </p:cSld>
+  <p:clrMapOvr>
+    <a:masterClrMapping/>
+  </p:clrMapOvr>
+</p:sld>
+</file>
+
+<file path=ppt/slides/slide14.xml><?xml version="1.0" encoding="utf-8"?>
+<p:sld xmlns:a="http://schemas.openxmlformats.org/drawingml/2006/main" xmlns:r="http://schemas.openxmlformats.org/officeDocument/2006/relationships" xmlns:p="http://schemas.openxmlformats.org/presentationml/2006/main">
+  <p:cSld>
+    <p:spTree>
+      <p:nvGrpSpPr>
+        <p:cNvPr id="1" name=""/>
+        <p:cNvGrpSpPr/>
+        <p:nvPr/>
+      </p:nvGrpSpPr>
+      <p:grpSpPr>
+        <a:xfrm>
+          <a:off x="0" y="0"/>
+          <a:ext cx="0" cy="0"/>
+          <a:chOff x="0" y="0"/>
+          <a:chExt cx="0" cy="0"/>
+        </a:xfrm>
+      </p:grpSpPr>
+      <p:sp>
+        <p:nvSpPr>
+          <p:cNvPr id="2" name="Заголовок 1"/>
+          <p:cNvSpPr>
+            <a:spLocks noGrp="1"/>
+          </p:cNvSpPr>
+          <p:nvPr>
+            <p:ph type="title"/>
+          </p:nvPr>
+        </p:nvSpPr>
         <p:spPr/>
         <p:txBody>
           <a:bodyPr/>
@@ -7662,7 +7902,7 @@
             <a:fld id="{00000000-1234-1234-1234-123412341234}" type="slidenum">
               <a:rPr lang="ru-RU" smtClean="0"/>
               <a:pPr/>
-              <a:t>13</a:t>
+              <a:t>14</a:t>
             </a:fld>
             <a:endParaRPr lang="ru-RU" dirty="0"/>
           </a:p>
@@ -7773,190 +8013,6 @@
         <p14:creationId xmlns:p14="http://schemas.microsoft.com/office/powerpoint/2010/main" val="2746670389"/>
       </p:ext>
     </p:extLst>
-  </p:cSld>
-  <p:clrMapOvr>
-    <a:masterClrMapping/>
-  </p:clrMapOvr>
-</p:sld>
-</file>
-
-<file path=ppt/slides/slide14.xml><?xml version="1.0" encoding="utf-8"?>
-<p:sld xmlns:a="http://schemas.openxmlformats.org/drawingml/2006/main" xmlns:r="http://schemas.openxmlformats.org/officeDocument/2006/relationships" xmlns:p="http://schemas.openxmlformats.org/presentationml/2006/main">
-  <p:cSld>
-    <p:bg>
-      <p:bgPr>
-        <a:blipFill dpi="0" rotWithShape="1">
-          <a:blip r:embed="rId3">
-            <a:lum/>
-          </a:blip>
-          <a:srcRect/>
-          <a:stretch>
-            <a:fillRect t="-1000" b="-1000"/>
-          </a:stretch>
-        </a:blipFill>
-        <a:effectLst/>
-      </p:bgPr>
-    </p:bg>
-    <p:spTree>
-      <p:nvGrpSpPr>
-        <p:cNvPr id="1" name="Shape 112"/>
-        <p:cNvGrpSpPr/>
-        <p:nvPr/>
-      </p:nvGrpSpPr>
-      <p:grpSpPr>
-        <a:xfrm>
-          <a:off x="0" y="0"/>
-          <a:ext cx="0" cy="0"/>
-          <a:chOff x="0" y="0"/>
-          <a:chExt cx="0" cy="0"/>
-        </a:xfrm>
-      </p:grpSpPr>
-      <p:sp>
-        <p:nvSpPr>
-          <p:cNvPr id="113" name="Shape 113"/>
-          <p:cNvSpPr txBox="1">
-            <a:spLocks noGrp="1"/>
-          </p:cNvSpPr>
-          <p:nvPr>
-            <p:ph type="title"/>
-          </p:nvPr>
-        </p:nvSpPr>
-        <p:spPr>
-          <a:xfrm>
-            <a:off x="179390" y="5345832"/>
-            <a:ext cx="24384000" cy="2795648"/>
-          </a:xfrm>
-          <a:prstGeom prst="rect">
-            <a:avLst/>
-          </a:prstGeom>
-        </p:spPr>
-        <p:txBody>
-          <a:bodyPr lIns="243800" tIns="243800" rIns="243800" bIns="243800" anchor="ctr" anchorCtr="0">
-            <a:noAutofit/>
-          </a:bodyPr>
-          <a:lstStyle/>
-          <a:p>
-            <a:r>
-              <a:rPr lang="ru" sz="8533" b="1" dirty="0">
-                <a:solidFill>
-                  <a:schemeClr val="bg1"/>
-                </a:solidFill>
-                <a:latin typeface="Segoe UI" panose="020B0502040204020203" pitchFamily="34" charset="0"/>
-                <a:cs typeface="Segoe UI" panose="020B0502040204020203" pitchFamily="34" charset="0"/>
-              </a:rPr>
-              <a:t>RUSSIAN SCIENCE</a:t>
-            </a:r>
-            <a:r>
-              <a:rPr lang="en-US" sz="8533" b="1" dirty="0">
-                <a:solidFill>
-                  <a:schemeClr val="bg1"/>
-                </a:solidFill>
-                <a:latin typeface="Segoe UI" panose="020B0502040204020203" pitchFamily="34" charset="0"/>
-                <a:cs typeface="Segoe UI" panose="020B0502040204020203" pitchFamily="34" charset="0"/>
-              </a:rPr>
-              <a:t> </a:t>
-            </a:r>
-            <a:br>
-              <a:rPr lang="en-US" sz="8533" b="1" dirty="0">
-                <a:solidFill>
-                  <a:schemeClr val="bg1"/>
-                </a:solidFill>
-                <a:latin typeface="Segoe UI" panose="020B0502040204020203" pitchFamily="34" charset="0"/>
-                <a:cs typeface="Segoe UI" panose="020B0502040204020203" pitchFamily="34" charset="0"/>
-              </a:rPr>
-            </a:br>
-            <a:r>
-              <a:rPr lang="ru" sz="8533" b="1" dirty="0">
-                <a:solidFill>
-                  <a:schemeClr val="bg1"/>
-                </a:solidFill>
-                <a:latin typeface="Segoe UI" panose="020B0502040204020203" pitchFamily="34" charset="0"/>
-                <a:cs typeface="Segoe UI" panose="020B0502040204020203" pitchFamily="34" charset="0"/>
-              </a:rPr>
-              <a:t>IS FASCINATING!</a:t>
-            </a:r>
-          </a:p>
-        </p:txBody>
-      </p:sp>
-      <p:sp>
-        <p:nvSpPr>
-          <p:cNvPr id="2" name="Номер слайда 1"/>
-          <p:cNvSpPr>
-            <a:spLocks noGrp="1"/>
-          </p:cNvSpPr>
-          <p:nvPr>
-            <p:ph type="sldNum" idx="12"/>
-          </p:nvPr>
-        </p:nvSpPr>
-        <p:spPr/>
-        <p:txBody>
-          <a:bodyPr/>
-          <a:lstStyle/>
-          <a:p>
-            <a:pPr algn="r"/>
-            <a:fld id="{00000000-1234-1234-1234-123412341234}" type="slidenum">
-              <a:rPr lang="ru" sz="2800" b="1">
-                <a:solidFill>
-                  <a:schemeClr val="bg1"/>
-                </a:solidFill>
-                <a:latin typeface="Segoe UI" panose="020B0502040204020203" pitchFamily="34" charset="0"/>
-                <a:cs typeface="Segoe UI" panose="020B0502040204020203" pitchFamily="34" charset="0"/>
-              </a:rPr>
-              <a:pPr algn="r"/>
-              <a:t>14</a:t>
-            </a:fld>
-            <a:endParaRPr lang="ru" sz="2800" b="1" dirty="0">
-              <a:solidFill>
-                <a:schemeClr val="bg1"/>
-              </a:solidFill>
-              <a:latin typeface="Segoe UI" panose="020B0502040204020203" pitchFamily="34" charset="0"/>
-              <a:cs typeface="Segoe UI" panose="020B0502040204020203" pitchFamily="34" charset="0"/>
-            </a:endParaRPr>
-          </a:p>
-        </p:txBody>
-      </p:sp>
-      <p:pic>
-        <p:nvPicPr>
-          <p:cNvPr id="7" name="Picture 3" descr="C:\Users\Давыдовы\dwhelper\_ФРИЛАНС\МФТИ\Преза ОИ\logo_white.png"/>
-          <p:cNvPicPr>
-            <a:picLocks noChangeAspect="1" noChangeArrowheads="1"/>
-          </p:cNvPicPr>
-          <p:nvPr/>
-        </p:nvPicPr>
-        <p:blipFill>
-          <a:blip r:embed="rId4">
-            <a:extLst>
-              <a:ext uri="{28A0092B-C50C-407E-A947-70E740481C1C}">
-                <a14:useLocalDpi xmlns:a14="http://schemas.microsoft.com/office/drawing/2010/main" val="0"/>
-              </a:ext>
-            </a:extLst>
-          </a:blip>
-          <a:srcRect/>
-          <a:stretch>
-            <a:fillRect/>
-          </a:stretch>
-        </p:blipFill>
-        <p:spPr bwMode="auto">
-          <a:xfrm>
-            <a:off x="21492603" y="1025352"/>
-            <a:ext cx="2016029" cy="731496"/>
-          </a:xfrm>
-          <a:prstGeom prst="rect">
-            <a:avLst/>
-          </a:prstGeom>
-          <a:noFill/>
-          <a:extLst>
-            <a:ext uri="{909E8E84-426E-40DD-AFC4-6F175D3DCCD1}">
-              <a14:hiddenFill xmlns:a14="http://schemas.microsoft.com/office/drawing/2010/main">
-                <a:solidFill>
-                  <a:srgbClr val="FFFFFF"/>
-                </a:solidFill>
-              </a14:hiddenFill>
-            </a:ext>
-          </a:extLst>
-        </p:spPr>
-      </p:pic>
-    </p:spTree>
   </p:cSld>
   <p:clrMapOvr>
     <a:masterClrMapping/>
@@ -8022,6 +8078,9 @@
           <a:p>
             <a:r>
               <a:rPr lang="ru" sz="8533" b="1" dirty="0">
+                <a:solidFill>
+                  <a:schemeClr val="bg1"/>
+                </a:solidFill>
                 <a:latin typeface="Segoe UI" panose="020B0502040204020203" pitchFamily="34" charset="0"/>
                 <a:cs typeface="Segoe UI" panose="020B0502040204020203" pitchFamily="34" charset="0"/>
               </a:rPr>
@@ -8029,6 +8088,9 @@
             </a:r>
             <a:r>
               <a:rPr lang="en-US" sz="8533" b="1" dirty="0">
+                <a:solidFill>
+                  <a:schemeClr val="bg1"/>
+                </a:solidFill>
                 <a:latin typeface="Segoe UI" panose="020B0502040204020203" pitchFamily="34" charset="0"/>
                 <a:cs typeface="Segoe UI" panose="020B0502040204020203" pitchFamily="34" charset="0"/>
               </a:rPr>
@@ -8036,12 +8098,18 @@
             </a:r>
             <a:br>
               <a:rPr lang="en-US" sz="8533" b="1" dirty="0">
+                <a:solidFill>
+                  <a:schemeClr val="bg1"/>
+                </a:solidFill>
                 <a:latin typeface="Segoe UI" panose="020B0502040204020203" pitchFamily="34" charset="0"/>
                 <a:cs typeface="Segoe UI" panose="020B0502040204020203" pitchFamily="34" charset="0"/>
               </a:rPr>
             </a:br>
             <a:r>
               <a:rPr lang="ru" sz="8533" b="1" dirty="0">
+                <a:solidFill>
+                  <a:schemeClr val="bg1"/>
+                </a:solidFill>
                 <a:latin typeface="Segoe UI" panose="020B0502040204020203" pitchFamily="34" charset="0"/>
                 <a:cs typeface="Segoe UI" panose="020B0502040204020203" pitchFamily="34" charset="0"/>
               </a:rPr>
@@ -8068,11 +8136,183 @@
             <a:pPr algn="r"/>
             <a:fld id="{00000000-1234-1234-1234-123412341234}" type="slidenum">
               <a:rPr lang="ru" sz="2800" b="1">
+                <a:solidFill>
+                  <a:schemeClr val="bg1"/>
+                </a:solidFill>
                 <a:latin typeface="Segoe UI" panose="020B0502040204020203" pitchFamily="34" charset="0"/>
                 <a:cs typeface="Segoe UI" panose="020B0502040204020203" pitchFamily="34" charset="0"/>
               </a:rPr>
               <a:pPr algn="r"/>
               <a:t>15</a:t>
+            </a:fld>
+            <a:endParaRPr lang="ru" sz="2800" b="1" dirty="0">
+              <a:solidFill>
+                <a:schemeClr val="bg1"/>
+              </a:solidFill>
+              <a:latin typeface="Segoe UI" panose="020B0502040204020203" pitchFamily="34" charset="0"/>
+              <a:cs typeface="Segoe UI" panose="020B0502040204020203" pitchFamily="34" charset="0"/>
+            </a:endParaRPr>
+          </a:p>
+        </p:txBody>
+      </p:sp>
+      <p:pic>
+        <p:nvPicPr>
+          <p:cNvPr id="7" name="Picture 3" descr="C:\Users\Давыдовы\dwhelper\_ФРИЛАНС\МФТИ\Преза ОИ\logo_white.png"/>
+          <p:cNvPicPr>
+            <a:picLocks noChangeAspect="1" noChangeArrowheads="1"/>
+          </p:cNvPicPr>
+          <p:nvPr/>
+        </p:nvPicPr>
+        <p:blipFill>
+          <a:blip r:embed="rId4">
+            <a:extLst>
+              <a:ext uri="{28A0092B-C50C-407E-A947-70E740481C1C}">
+                <a14:useLocalDpi xmlns:a14="http://schemas.microsoft.com/office/drawing/2010/main" val="0"/>
+              </a:ext>
+            </a:extLst>
+          </a:blip>
+          <a:srcRect/>
+          <a:stretch>
+            <a:fillRect/>
+          </a:stretch>
+        </p:blipFill>
+        <p:spPr bwMode="auto">
+          <a:xfrm>
+            <a:off x="21492603" y="1025352"/>
+            <a:ext cx="2016029" cy="731496"/>
+          </a:xfrm>
+          <a:prstGeom prst="rect">
+            <a:avLst/>
+          </a:prstGeom>
+          <a:noFill/>
+          <a:extLst>
+            <a:ext uri="{909E8E84-426E-40DD-AFC4-6F175D3DCCD1}">
+              <a14:hiddenFill xmlns:a14="http://schemas.microsoft.com/office/drawing/2010/main">
+                <a:solidFill>
+                  <a:srgbClr val="FFFFFF"/>
+                </a:solidFill>
+              </a14:hiddenFill>
+            </a:ext>
+          </a:extLst>
+        </p:spPr>
+      </p:pic>
+    </p:spTree>
+  </p:cSld>
+  <p:clrMapOvr>
+    <a:masterClrMapping/>
+  </p:clrMapOvr>
+</p:sld>
+</file>
+
+<file path=ppt/slides/slide16.xml><?xml version="1.0" encoding="utf-8"?>
+<p:sld xmlns:a="http://schemas.openxmlformats.org/drawingml/2006/main" xmlns:r="http://schemas.openxmlformats.org/officeDocument/2006/relationships" xmlns:p="http://schemas.openxmlformats.org/presentationml/2006/main">
+  <p:cSld>
+    <p:bg>
+      <p:bgPr>
+        <a:blipFill dpi="0" rotWithShape="1">
+          <a:blip r:embed="rId3">
+            <a:lum/>
+          </a:blip>
+          <a:srcRect/>
+          <a:stretch>
+            <a:fillRect t="-1000" b="-1000"/>
+          </a:stretch>
+        </a:blipFill>
+        <a:effectLst/>
+      </p:bgPr>
+    </p:bg>
+    <p:spTree>
+      <p:nvGrpSpPr>
+        <p:cNvPr id="1" name="Shape 112"/>
+        <p:cNvGrpSpPr/>
+        <p:nvPr/>
+      </p:nvGrpSpPr>
+      <p:grpSpPr>
+        <a:xfrm>
+          <a:off x="0" y="0"/>
+          <a:ext cx="0" cy="0"/>
+          <a:chOff x="0" y="0"/>
+          <a:chExt cx="0" cy="0"/>
+        </a:xfrm>
+      </p:grpSpPr>
+      <p:sp>
+        <p:nvSpPr>
+          <p:cNvPr id="113" name="Shape 113"/>
+          <p:cNvSpPr txBox="1">
+            <a:spLocks noGrp="1"/>
+          </p:cNvSpPr>
+          <p:nvPr>
+            <p:ph type="title"/>
+          </p:nvPr>
+        </p:nvSpPr>
+        <p:spPr>
+          <a:xfrm>
+            <a:off x="179390" y="5345832"/>
+            <a:ext cx="24384000" cy="2795648"/>
+          </a:xfrm>
+          <a:prstGeom prst="rect">
+            <a:avLst/>
+          </a:prstGeom>
+        </p:spPr>
+        <p:txBody>
+          <a:bodyPr lIns="243800" tIns="243800" rIns="243800" bIns="243800" anchor="ctr" anchorCtr="0">
+            <a:noAutofit/>
+          </a:bodyPr>
+          <a:lstStyle/>
+          <a:p>
+            <a:r>
+              <a:rPr lang="ru" sz="8533" b="1" dirty="0">
+                <a:latin typeface="Segoe UI" panose="020B0502040204020203" pitchFamily="34" charset="0"/>
+                <a:cs typeface="Segoe UI" panose="020B0502040204020203" pitchFamily="34" charset="0"/>
+              </a:rPr>
+              <a:t>RUSSIAN SCIENCE</a:t>
+            </a:r>
+            <a:r>
+              <a:rPr lang="en-US" sz="8533" b="1" dirty="0">
+                <a:latin typeface="Segoe UI" panose="020B0502040204020203" pitchFamily="34" charset="0"/>
+                <a:cs typeface="Segoe UI" panose="020B0502040204020203" pitchFamily="34" charset="0"/>
+              </a:rPr>
+              <a:t> </a:t>
+            </a:r>
+            <a:br>
+              <a:rPr lang="en-US" sz="8533" b="1" dirty="0">
+                <a:latin typeface="Segoe UI" panose="020B0502040204020203" pitchFamily="34" charset="0"/>
+                <a:cs typeface="Segoe UI" panose="020B0502040204020203" pitchFamily="34" charset="0"/>
+              </a:rPr>
+            </a:br>
+            <a:r>
+              <a:rPr lang="ru" sz="8533" b="1" dirty="0">
+                <a:latin typeface="Segoe UI" panose="020B0502040204020203" pitchFamily="34" charset="0"/>
+                <a:cs typeface="Segoe UI" panose="020B0502040204020203" pitchFamily="34" charset="0"/>
+              </a:rPr>
+              <a:t>IS FASCINATING!</a:t>
+            </a:r>
+          </a:p>
+        </p:txBody>
+      </p:sp>
+      <p:sp>
+        <p:nvSpPr>
+          <p:cNvPr id="2" name="Номер слайда 1"/>
+          <p:cNvSpPr>
+            <a:spLocks noGrp="1"/>
+          </p:cNvSpPr>
+          <p:nvPr>
+            <p:ph type="sldNum" idx="12"/>
+          </p:nvPr>
+        </p:nvSpPr>
+        <p:spPr/>
+        <p:txBody>
+          <a:bodyPr/>
+          <a:lstStyle/>
+          <a:p>
+            <a:pPr algn="r"/>
+            <a:fld id="{00000000-1234-1234-1234-123412341234}" type="slidenum">
+              <a:rPr lang="ru" sz="2800" b="1">
+                <a:latin typeface="Segoe UI" panose="020B0502040204020203" pitchFamily="34" charset="0"/>
+                <a:cs typeface="Segoe UI" panose="020B0502040204020203" pitchFamily="34" charset="0"/>
+              </a:rPr>
+              <a:pPr algn="r"/>
+              <a:t>16</a:t>
             </a:fld>
             <a:endParaRPr lang="ru" sz="2800" b="1" dirty="0">
               <a:latin typeface="Segoe UI" panose="020B0502040204020203" pitchFamily="34" charset="0"/>
@@ -9088,7 +9328,7 @@
           <p:cNvPr id="5" name="Рисунок 4" descr="Изображение выглядит как текст, снимок экрана, Шрифт&#10;&#10;Автоматически созданное описание">
             <a:extLst>
               <a:ext uri="{FF2B5EF4-FFF2-40B4-BE49-F238E27FC236}">
-                <a16:creationId xmlns:a16="http://schemas.microsoft.com/office/drawing/2014/main" xmlns="" id="{CDED49E2-DE2D-6842-64F2-79923EB81999}"/>
+                <a16:creationId xmlns="" xmlns:a16="http://schemas.microsoft.com/office/drawing/2014/main" id="{CDED49E2-DE2D-6842-64F2-79923EB81999}"/>
               </a:ext>
             </a:extLst>
           </p:cNvPr>
@@ -9254,7 +9494,7 @@
           <p:cNvPr id="13" name="Рисунок 12" descr="Изображение выглядит как текст, диаграмма, Технический чертеж, План&#10;&#10;Автоматически созданное описание">
             <a:extLst>
               <a:ext uri="{FF2B5EF4-FFF2-40B4-BE49-F238E27FC236}">
-                <a16:creationId xmlns:a16="http://schemas.microsoft.com/office/drawing/2014/main" xmlns="" id="{BC8A5F36-5A81-D5F8-8F29-894A34BB4A2F}"/>
+                <a16:creationId xmlns="" xmlns:a16="http://schemas.microsoft.com/office/drawing/2014/main" id="{BC8A5F36-5A81-D5F8-8F29-894A34BB4A2F}"/>
               </a:ext>
             </a:extLst>
           </p:cNvPr>
@@ -9516,7 +9756,7 @@
           <p:cNvPr id="12" name="Рисунок 11">
             <a:extLst>
               <a:ext uri="{FF2B5EF4-FFF2-40B4-BE49-F238E27FC236}">
-                <a16:creationId xmlns:a16="http://schemas.microsoft.com/office/drawing/2014/main" xmlns="" id="{94A8A7F7-C31F-DC0B-9E40-5C2EB051202F}"/>
+                <a16:creationId xmlns="" xmlns:a16="http://schemas.microsoft.com/office/drawing/2014/main" id="{94A8A7F7-C31F-DC0B-9E40-5C2EB051202F}"/>
               </a:ext>
             </a:extLst>
           </p:cNvPr>
@@ -10057,7 +10297,7 @@
           <p:cNvPr id="7" name="Рисунок 6" descr="Изображение выглядит как линия, снимок экрана, Прямоугольник, диаграмма&#10;&#10;Автоматически созданное описание">
             <a:extLst>
               <a:ext uri="{FF2B5EF4-FFF2-40B4-BE49-F238E27FC236}">
-                <a16:creationId xmlns:a16="http://schemas.microsoft.com/office/drawing/2014/main" xmlns="" id="{E867C86B-7FB6-35B0-8F50-5D8904883D79}"/>
+                <a16:creationId xmlns="" xmlns:a16="http://schemas.microsoft.com/office/drawing/2014/main" id="{E867C86B-7FB6-35B0-8F50-5D8904883D79}"/>
               </a:ext>
             </a:extLst>
           </p:cNvPr>
@@ -10087,7 +10327,7 @@
           <p:cNvPr id="11" name="Рисунок 10" descr="Изображение выглядит как Прямоугольник, снимок экрана, линия, прямоугольный&#10;&#10;Автоматически созданное описание">
             <a:extLst>
               <a:ext uri="{FF2B5EF4-FFF2-40B4-BE49-F238E27FC236}">
-                <a16:creationId xmlns:a16="http://schemas.microsoft.com/office/drawing/2014/main" xmlns="" id="{1A3A7982-99F3-DCB7-2355-72DC0C0DC5FB}"/>
+                <a16:creationId xmlns="" xmlns:a16="http://schemas.microsoft.com/office/drawing/2014/main" id="{1A3A7982-99F3-DCB7-2355-72DC0C0DC5FB}"/>
               </a:ext>
             </a:extLst>
           </p:cNvPr>
@@ -10117,7 +10357,7 @@
           <p:cNvPr id="13" name="Рисунок 12" descr="Изображение выглядит как линия, диаграмма, дизайн&#10;&#10;Автоматически созданное описание">
             <a:extLst>
               <a:ext uri="{FF2B5EF4-FFF2-40B4-BE49-F238E27FC236}">
-                <a16:creationId xmlns:a16="http://schemas.microsoft.com/office/drawing/2014/main" xmlns="" id="{64B42173-F8FD-14D4-FFB6-016A5A75E365}"/>
+                <a16:creationId xmlns="" xmlns:a16="http://schemas.microsoft.com/office/drawing/2014/main" id="{64B42173-F8FD-14D4-FFB6-016A5A75E365}"/>
               </a:ext>
             </a:extLst>
           </p:cNvPr>
@@ -10308,7 +10548,7 @@
           <p:cNvPr id="7" name="Рисунок 6" descr="Изображение выглядит как линия, снимок экрана, Прямоугольник, диаграмма&#10;&#10;Автоматически созданное описание">
             <a:extLst>
               <a:ext uri="{FF2B5EF4-FFF2-40B4-BE49-F238E27FC236}">
-                <a16:creationId xmlns:a16="http://schemas.microsoft.com/office/drawing/2014/main" xmlns="" id="{E867C86B-7FB6-35B0-8F50-5D8904883D79}"/>
+                <a16:creationId xmlns="" xmlns:a16="http://schemas.microsoft.com/office/drawing/2014/main" id="{E867C86B-7FB6-35B0-8F50-5D8904883D79}"/>
               </a:ext>
             </a:extLst>
           </p:cNvPr>
@@ -10338,7 +10578,7 @@
           <p:cNvPr id="11" name="Рисунок 10" descr="Изображение выглядит как Прямоугольник, снимок экрана, линия, прямоугольный&#10;&#10;Автоматически созданное описание">
             <a:extLst>
               <a:ext uri="{FF2B5EF4-FFF2-40B4-BE49-F238E27FC236}">
-                <a16:creationId xmlns:a16="http://schemas.microsoft.com/office/drawing/2014/main" xmlns="" id="{1A3A7982-99F3-DCB7-2355-72DC0C0DC5FB}"/>
+                <a16:creationId xmlns="" xmlns:a16="http://schemas.microsoft.com/office/drawing/2014/main" id="{1A3A7982-99F3-DCB7-2355-72DC0C0DC5FB}"/>
               </a:ext>
             </a:extLst>
           </p:cNvPr>
@@ -10368,7 +10608,7 @@
           <p:cNvPr id="13" name="Рисунок 12" descr="Изображение выглядит как линия, диаграмма, дизайн&#10;&#10;Автоматически созданное описание">
             <a:extLst>
               <a:ext uri="{FF2B5EF4-FFF2-40B4-BE49-F238E27FC236}">
-                <a16:creationId xmlns:a16="http://schemas.microsoft.com/office/drawing/2014/main" xmlns="" id="{64B42173-F8FD-14D4-FFB6-016A5A75E365}"/>
+                <a16:creationId xmlns="" xmlns:a16="http://schemas.microsoft.com/office/drawing/2014/main" id="{64B42173-F8FD-14D4-FFB6-016A5A75E365}"/>
               </a:ext>
             </a:extLst>
           </p:cNvPr>
@@ -10398,7 +10638,7 @@
           <p:cNvPr id="5" name="Рисунок 4">
             <a:extLst>
               <a:ext uri="{FF2B5EF4-FFF2-40B4-BE49-F238E27FC236}">
-                <a16:creationId xmlns:a16="http://schemas.microsoft.com/office/drawing/2014/main" xmlns="" id="{B3906463-EBE0-4408-75E3-A8513487D69D}"/>
+                <a16:creationId xmlns="" xmlns:a16="http://schemas.microsoft.com/office/drawing/2014/main" id="{B3906463-EBE0-4408-75E3-A8513487D69D}"/>
               </a:ext>
             </a:extLst>
           </p:cNvPr>
@@ -10428,7 +10668,7 @@
           <p:cNvPr id="8" name="TextBox 7">
             <a:extLst>
               <a:ext uri="{FF2B5EF4-FFF2-40B4-BE49-F238E27FC236}">
-                <a16:creationId xmlns:a16="http://schemas.microsoft.com/office/drawing/2014/main" xmlns="" id="{C633265D-67F5-B849-6E62-A00E8F3F895E}"/>
+                <a16:creationId xmlns="" xmlns:a16="http://schemas.microsoft.com/office/drawing/2014/main" id="{C633265D-67F5-B849-6E62-A00E8F3F895E}"/>
               </a:ext>
             </a:extLst>
           </p:cNvPr>
@@ -10482,7 +10722,7 @@
           <p:cNvPr id="10" name="TextBox 9">
             <a:extLst>
               <a:ext uri="{FF2B5EF4-FFF2-40B4-BE49-F238E27FC236}">
-                <a16:creationId xmlns:a16="http://schemas.microsoft.com/office/drawing/2014/main" xmlns="" id="{D02ECF1C-8307-46F6-2684-42B0A3888D54}"/>
+                <a16:creationId xmlns="" xmlns:a16="http://schemas.microsoft.com/office/drawing/2014/main" id="{D02ECF1C-8307-46F6-2684-42B0A3888D54}"/>
               </a:ext>
             </a:extLst>
           </p:cNvPr>
